--- a/Part2 - JS Fundamentals/presentation/presentation.pptx
+++ b/Part2 - JS Fundamentals/presentation/presentation.pptx
@@ -6,8 +6,13 @@
   </p:sldMasterIdLst>
   <p:sldIdLst>
     <p:sldId id="256" r:id="rId2"/>
-    <p:sldId id="258" r:id="rId3"/>
-    <p:sldId id="259" r:id="rId4"/>
+    <p:sldId id="260" r:id="rId3"/>
+    <p:sldId id="258" r:id="rId4"/>
+    <p:sldId id="261" r:id="rId5"/>
+    <p:sldId id="262" r:id="rId6"/>
+    <p:sldId id="263" r:id="rId7"/>
+    <p:sldId id="264" r:id="rId8"/>
+    <p:sldId id="259" r:id="rId9"/>
   </p:sldIdLst>
   <p:sldSz cx="12192000" cy="6858000"/>
   <p:notesSz cx="6858000" cy="9144000"/>
@@ -109,14 +114,19 @@
   <p:extLst>
     <p:ext uri="{521415D9-36F7-43E2-AB2F-B90AF26B5E84}">
       <p14:sectionLst xmlns:p14="http://schemas.microsoft.com/office/powerpoint/2010/main">
-        <p14:section name="Default Section" id="{EC0722B7-43F7-4086-81A5-0E75E6979FB6}">
+        <p14:section name="Introduction" id="{0DE9155E-386D-46C6-88C6-9C1ED0BB262B}">
           <p14:sldIdLst>
             <p14:sldId id="256"/>
+            <p14:sldId id="260"/>
           </p14:sldIdLst>
         </p14:section>
         <p14:section name="Data Types" id="{E92A70FD-7256-4BEA-A2BF-B6211DC01341}">
           <p14:sldIdLst>
             <p14:sldId id="258"/>
+            <p14:sldId id="261"/>
+            <p14:sldId id="262"/>
+            <p14:sldId id="263"/>
+            <p14:sldId id="264"/>
           </p14:sldIdLst>
         </p14:section>
         <p14:section name="Inheritance" id="{D21CB6EC-C671-4597-AA38-94DAECFD0AAC}">
@@ -125,6 +135,9 @@
           </p14:sldIdLst>
         </p14:section>
       </p14:sectionLst>
+    </p:ext>
+    <p:ext uri="{EFAFB233-063F-42B5-8137-9DF3F51BA10A}">
+      <p15:sldGuideLst xmlns:p15="http://schemas.microsoft.com/office/powerpoint/2012/main"/>
     </p:ext>
   </p:extLst>
 </p:presentation>
@@ -3065,6 +3078,92 @@
       </p:grpSpPr>
       <p:sp>
         <p:nvSpPr>
+          <p:cNvPr id="9" name="Title 8"/>
+          <p:cNvSpPr>
+            <a:spLocks noGrp="1"/>
+          </p:cNvSpPr>
+          <p:nvPr>
+            <p:ph type="title"/>
+          </p:nvPr>
+        </p:nvSpPr>
+        <p:spPr/>
+        <p:txBody>
+          <a:bodyPr/>
+          <a:lstStyle/>
+          <a:p>
+            <a:r>
+              <a:rPr lang="en-ZA" dirty="0" smtClean="0"/>
+              <a:t>Why JavaScript?</a:t>
+            </a:r>
+            <a:endParaRPr lang="en-ZA" dirty="0"/>
+          </a:p>
+        </p:txBody>
+      </p:sp>
+      <p:sp>
+        <p:nvSpPr>
+          <p:cNvPr id="10" name="Content Placeholder 9"/>
+          <p:cNvSpPr>
+            <a:spLocks noGrp="1"/>
+          </p:cNvSpPr>
+          <p:nvPr>
+            <p:ph idx="1"/>
+          </p:nvPr>
+        </p:nvSpPr>
+        <p:spPr/>
+        <p:txBody>
+          <a:bodyPr/>
+          <a:lstStyle/>
+          <a:p>
+            <a:r>
+              <a:rPr lang="en-ZA" dirty="0" smtClean="0"/>
+              <a:t>JavaScript is the language of the web</a:t>
+            </a:r>
+          </a:p>
+          <a:p>
+            <a:r>
+              <a:rPr lang="en-ZA" dirty="0" err="1" smtClean="0"/>
+              <a:t>NodeJs</a:t>
+            </a:r>
+            <a:r>
+              <a:rPr lang="en-ZA" dirty="0" smtClean="0"/>
+              <a:t> makes it possible to use JavaScript on servers</a:t>
+            </a:r>
+            <a:endParaRPr lang="en-ZA" dirty="0"/>
+          </a:p>
+        </p:txBody>
+      </p:sp>
+    </p:spTree>
+    <p:extLst>
+      <p:ext uri="{BB962C8B-B14F-4D97-AF65-F5344CB8AC3E}">
+        <p14:creationId xmlns:p14="http://schemas.microsoft.com/office/powerpoint/2010/main" val="1013217113"/>
+      </p:ext>
+    </p:extLst>
+  </p:cSld>
+  <p:clrMapOvr>
+    <a:masterClrMapping/>
+  </p:clrMapOvr>
+</p:sld>
+</file>
+
+<file path=ppt/slides/slide3.xml><?xml version="1.0" encoding="utf-8"?>
+<p:sld xmlns:a="http://schemas.openxmlformats.org/drawingml/2006/main" xmlns:r="http://schemas.openxmlformats.org/officeDocument/2006/relationships" xmlns:p="http://schemas.openxmlformats.org/presentationml/2006/main">
+  <p:cSld>
+    <p:spTree>
+      <p:nvGrpSpPr>
+        <p:cNvPr id="1" name=""/>
+        <p:cNvGrpSpPr/>
+        <p:nvPr/>
+      </p:nvGrpSpPr>
+      <p:grpSpPr>
+        <a:xfrm>
+          <a:off x="0" y="0"/>
+          <a:ext cx="0" cy="0"/>
+          <a:chOff x="0" y="0"/>
+          <a:chExt cx="0" cy="0"/>
+        </a:xfrm>
+      </p:grpSpPr>
+      <p:sp>
+        <p:nvSpPr>
           <p:cNvPr id="2" name="Title 1"/>
           <p:cNvSpPr>
             <a:spLocks noGrp="1"/>
@@ -3118,7 +3217,501 @@
 </p:sld>
 </file>
 
-<file path=ppt/slides/slide3.xml><?xml version="1.0" encoding="utf-8"?>
+<file path=ppt/slides/slide4.xml><?xml version="1.0" encoding="utf-8"?>
+<p:sld xmlns:a="http://schemas.openxmlformats.org/drawingml/2006/main" xmlns:r="http://schemas.openxmlformats.org/officeDocument/2006/relationships" xmlns:p="http://schemas.openxmlformats.org/presentationml/2006/main">
+  <p:cSld>
+    <p:spTree>
+      <p:nvGrpSpPr>
+        <p:cNvPr id="1" name=""/>
+        <p:cNvGrpSpPr/>
+        <p:nvPr/>
+      </p:nvGrpSpPr>
+      <p:grpSpPr>
+        <a:xfrm>
+          <a:off x="0" y="0"/>
+          <a:ext cx="0" cy="0"/>
+          <a:chOff x="0" y="0"/>
+          <a:chExt cx="0" cy="0"/>
+        </a:xfrm>
+      </p:grpSpPr>
+      <p:sp>
+        <p:nvSpPr>
+          <p:cNvPr id="4" name="Title 3"/>
+          <p:cNvSpPr>
+            <a:spLocks noGrp="1"/>
+          </p:cNvSpPr>
+          <p:nvPr>
+            <p:ph type="title"/>
+          </p:nvPr>
+        </p:nvSpPr>
+        <p:spPr/>
+        <p:txBody>
+          <a:bodyPr/>
+          <a:lstStyle/>
+          <a:p>
+            <a:r>
+              <a:rPr lang="en-ZA" dirty="0" smtClean="0"/>
+              <a:t>Number</a:t>
+            </a:r>
+            <a:endParaRPr lang="en-ZA" dirty="0"/>
+          </a:p>
+        </p:txBody>
+      </p:sp>
+      <p:sp>
+        <p:nvSpPr>
+          <p:cNvPr id="5" name="Content Placeholder 4"/>
+          <p:cNvSpPr>
+            <a:spLocks noGrp="1"/>
+          </p:cNvSpPr>
+          <p:nvPr>
+            <p:ph idx="1"/>
+          </p:nvPr>
+        </p:nvSpPr>
+        <p:spPr/>
+        <p:txBody>
+          <a:bodyPr/>
+          <a:lstStyle/>
+          <a:p>
+            <a:r>
+              <a:rPr lang="en-ZA" dirty="0" smtClean="0"/>
+              <a:t>JavaScript has a single Number type</a:t>
+            </a:r>
+          </a:p>
+          <a:p>
+            <a:r>
+              <a:rPr lang="en-ZA" dirty="0" smtClean="0"/>
+              <a:t>There is no differentiation between integer and floating point values</a:t>
+            </a:r>
+          </a:p>
+          <a:p>
+            <a:r>
+              <a:rPr lang="en-ZA" dirty="0" smtClean="0"/>
+              <a:t>1 is equivalent to 1.0</a:t>
+            </a:r>
+          </a:p>
+          <a:p>
+            <a:r>
+              <a:rPr lang="en-ZA" dirty="0" smtClean="0"/>
+              <a:t>Math object contains a set of methods that act on numbers</a:t>
+            </a:r>
+          </a:p>
+          <a:p>
+            <a:r>
+              <a:rPr lang="en-ZA" dirty="0" err="1" smtClean="0"/>
+              <a:t>Math.floor</a:t>
+            </a:r>
+            <a:r>
+              <a:rPr lang="en-ZA" dirty="0" smtClean="0"/>
+              <a:t>(10.9) === 10</a:t>
+            </a:r>
+          </a:p>
+          <a:p>
+            <a:endParaRPr lang="en-ZA" dirty="0"/>
+          </a:p>
+          <a:p>
+            <a:pPr marL="0" indent="0">
+              <a:buNone/>
+            </a:pPr>
+            <a:endParaRPr lang="en-ZA" dirty="0" smtClean="0"/>
+          </a:p>
+        </p:txBody>
+      </p:sp>
+    </p:spTree>
+    <p:extLst>
+      <p:ext uri="{BB962C8B-B14F-4D97-AF65-F5344CB8AC3E}">
+        <p14:creationId xmlns:p14="http://schemas.microsoft.com/office/powerpoint/2010/main" val="1485028070"/>
+      </p:ext>
+    </p:extLst>
+  </p:cSld>
+  <p:clrMapOvr>
+    <a:masterClrMapping/>
+  </p:clrMapOvr>
+</p:sld>
+</file>
+
+<file path=ppt/slides/slide5.xml><?xml version="1.0" encoding="utf-8"?>
+<p:sld xmlns:a="http://schemas.openxmlformats.org/drawingml/2006/main" xmlns:r="http://schemas.openxmlformats.org/officeDocument/2006/relationships" xmlns:p="http://schemas.openxmlformats.org/presentationml/2006/main">
+  <p:cSld>
+    <p:spTree>
+      <p:nvGrpSpPr>
+        <p:cNvPr id="1" name=""/>
+        <p:cNvGrpSpPr/>
+        <p:nvPr/>
+      </p:nvGrpSpPr>
+      <p:grpSpPr>
+        <a:xfrm>
+          <a:off x="0" y="0"/>
+          <a:ext cx="0" cy="0"/>
+          <a:chOff x="0" y="0"/>
+          <a:chExt cx="0" cy="0"/>
+        </a:xfrm>
+      </p:grpSpPr>
+      <p:sp>
+        <p:nvSpPr>
+          <p:cNvPr id="2" name="Title 1"/>
+          <p:cNvSpPr>
+            <a:spLocks noGrp="1"/>
+          </p:cNvSpPr>
+          <p:nvPr>
+            <p:ph type="title"/>
+          </p:nvPr>
+        </p:nvSpPr>
+        <p:spPr/>
+        <p:txBody>
+          <a:bodyPr/>
+          <a:lstStyle/>
+          <a:p>
+            <a:r>
+              <a:rPr lang="en-ZA" dirty="0" smtClean="0"/>
+              <a:t>Number – </a:t>
+            </a:r>
+            <a:r>
+              <a:rPr lang="en-ZA" dirty="0" err="1" smtClean="0"/>
+              <a:t>NaN</a:t>
+            </a:r>
+            <a:endParaRPr lang="en-ZA" dirty="0"/>
+          </a:p>
+        </p:txBody>
+      </p:sp>
+      <p:sp>
+        <p:nvSpPr>
+          <p:cNvPr id="3" name="Content Placeholder 2"/>
+          <p:cNvSpPr>
+            <a:spLocks noGrp="1"/>
+          </p:cNvSpPr>
+          <p:nvPr>
+            <p:ph idx="1"/>
+          </p:nvPr>
+        </p:nvSpPr>
+        <p:spPr/>
+        <p:txBody>
+          <a:bodyPr/>
+          <a:lstStyle/>
+          <a:p>
+            <a:r>
+              <a:rPr lang="en-ZA" dirty="0" err="1" smtClean="0"/>
+              <a:t>NaN</a:t>
+            </a:r>
+            <a:r>
+              <a:rPr lang="en-ZA" dirty="0" smtClean="0"/>
+              <a:t> is a number that is the result of an operation that cannot produce a normal result</a:t>
+            </a:r>
+          </a:p>
+          <a:p>
+            <a:r>
+              <a:rPr lang="en-ZA" dirty="0" smtClean="0"/>
+              <a:t>10 * ‘some string’ === </a:t>
+            </a:r>
+            <a:r>
+              <a:rPr lang="en-ZA" dirty="0" err="1" smtClean="0"/>
+              <a:t>NaN</a:t>
+            </a:r>
+            <a:endParaRPr lang="en-ZA" dirty="0" smtClean="0"/>
+          </a:p>
+          <a:p>
+            <a:r>
+              <a:rPr lang="en-ZA" dirty="0" err="1" smtClean="0"/>
+              <a:t>NaN</a:t>
+            </a:r>
+            <a:r>
+              <a:rPr lang="en-ZA" dirty="0" smtClean="0"/>
+              <a:t> is not equal to any other value, including </a:t>
+            </a:r>
+            <a:r>
+              <a:rPr lang="en-ZA" dirty="0" err="1" smtClean="0"/>
+              <a:t>NaN</a:t>
+            </a:r>
+            <a:endParaRPr lang="en-ZA" dirty="0" smtClean="0"/>
+          </a:p>
+          <a:p>
+            <a:r>
+              <a:rPr lang="en-ZA" dirty="0" err="1" smtClean="0"/>
+              <a:t>isNaN</a:t>
+            </a:r>
+            <a:r>
+              <a:rPr lang="en-ZA" dirty="0" smtClean="0"/>
+              <a:t>(</a:t>
+            </a:r>
+            <a:r>
+              <a:rPr lang="en-ZA" dirty="0" err="1" smtClean="0"/>
+              <a:t>NaN</a:t>
+            </a:r>
+            <a:r>
+              <a:rPr lang="en-ZA" dirty="0" smtClean="0"/>
+              <a:t>)</a:t>
+            </a:r>
+            <a:endParaRPr lang="en-ZA" dirty="0"/>
+          </a:p>
+        </p:txBody>
+      </p:sp>
+    </p:spTree>
+    <p:extLst>
+      <p:ext uri="{BB962C8B-B14F-4D97-AF65-F5344CB8AC3E}">
+        <p14:creationId xmlns:p14="http://schemas.microsoft.com/office/powerpoint/2010/main" val="4156453544"/>
+      </p:ext>
+    </p:extLst>
+  </p:cSld>
+  <p:clrMapOvr>
+    <a:masterClrMapping/>
+  </p:clrMapOvr>
+</p:sld>
+</file>
+
+<file path=ppt/slides/slide6.xml><?xml version="1.0" encoding="utf-8"?>
+<p:sld xmlns:a="http://schemas.openxmlformats.org/drawingml/2006/main" xmlns:r="http://schemas.openxmlformats.org/officeDocument/2006/relationships" xmlns:p="http://schemas.openxmlformats.org/presentationml/2006/main">
+  <p:cSld>
+    <p:spTree>
+      <p:nvGrpSpPr>
+        <p:cNvPr id="1" name=""/>
+        <p:cNvGrpSpPr/>
+        <p:nvPr/>
+      </p:nvGrpSpPr>
+      <p:grpSpPr>
+        <a:xfrm>
+          <a:off x="0" y="0"/>
+          <a:ext cx="0" cy="0"/>
+          <a:chOff x="0" y="0"/>
+          <a:chExt cx="0" cy="0"/>
+        </a:xfrm>
+      </p:grpSpPr>
+      <p:sp>
+        <p:nvSpPr>
+          <p:cNvPr id="2" name="Title 1"/>
+          <p:cNvSpPr>
+            <a:spLocks noGrp="1"/>
+          </p:cNvSpPr>
+          <p:nvPr>
+            <p:ph type="title"/>
+          </p:nvPr>
+        </p:nvSpPr>
+        <p:spPr/>
+        <p:txBody>
+          <a:bodyPr/>
+          <a:lstStyle/>
+          <a:p>
+            <a:r>
+              <a:rPr lang="en-ZA" dirty="0" smtClean="0"/>
+              <a:t>String</a:t>
+            </a:r>
+            <a:endParaRPr lang="en-ZA" dirty="0"/>
+          </a:p>
+        </p:txBody>
+      </p:sp>
+      <p:sp>
+        <p:nvSpPr>
+          <p:cNvPr id="3" name="Content Placeholder 2"/>
+          <p:cNvSpPr>
+            <a:spLocks noGrp="1"/>
+          </p:cNvSpPr>
+          <p:nvPr>
+            <p:ph idx="1"/>
+          </p:nvPr>
+        </p:nvSpPr>
+        <p:spPr/>
+        <p:txBody>
+          <a:bodyPr/>
+          <a:lstStyle/>
+          <a:p>
+            <a:r>
+              <a:rPr lang="en-ZA" dirty="0" smtClean="0"/>
+              <a:t>There is no character type. A character is simply a string with one character in it</a:t>
+            </a:r>
+          </a:p>
+          <a:p>
+            <a:r>
+              <a:rPr lang="en-ZA" dirty="0" smtClean="0"/>
+              <a:t>Can be wrapped in single or double quotes</a:t>
+            </a:r>
+          </a:p>
+          <a:p>
+            <a:r>
+              <a:rPr lang="en-ZA" dirty="0" smtClean="0"/>
+              <a:t>Can contain 0 or more characters</a:t>
+            </a:r>
+          </a:p>
+          <a:p>
+            <a:r>
+              <a:rPr lang="en-ZA" dirty="0" smtClean="0"/>
+              <a:t>Immutable – Once a string is created, it cannot be changed</a:t>
+            </a:r>
+          </a:p>
+          <a:p>
+            <a:endParaRPr lang="en-ZA" dirty="0"/>
+          </a:p>
+          <a:p>
+            <a:r>
+              <a:rPr lang="en-ZA" dirty="0"/>
+              <a:t>l</a:t>
+            </a:r>
+            <a:r>
+              <a:rPr lang="en-ZA" dirty="0" smtClean="0"/>
+              <a:t>ength property</a:t>
+            </a:r>
+          </a:p>
+          <a:p>
+            <a:r>
+              <a:rPr lang="en-ZA" dirty="0" smtClean="0"/>
+              <a:t>“</a:t>
+            </a:r>
+            <a:r>
+              <a:rPr lang="en-ZA" dirty="0" err="1" smtClean="0"/>
+              <a:t>six”.length</a:t>
+            </a:r>
+            <a:r>
+              <a:rPr lang="en-ZA" dirty="0" smtClean="0"/>
+              <a:t> === 3</a:t>
+            </a:r>
+          </a:p>
+        </p:txBody>
+      </p:sp>
+    </p:spTree>
+    <p:extLst>
+      <p:ext uri="{BB962C8B-B14F-4D97-AF65-F5344CB8AC3E}">
+        <p14:creationId xmlns:p14="http://schemas.microsoft.com/office/powerpoint/2010/main" val="1587619127"/>
+      </p:ext>
+    </p:extLst>
+  </p:cSld>
+  <p:clrMapOvr>
+    <a:masterClrMapping/>
+  </p:clrMapOvr>
+</p:sld>
+</file>
+
+<file path=ppt/slides/slide7.xml><?xml version="1.0" encoding="utf-8"?>
+<p:sld xmlns:a="http://schemas.openxmlformats.org/drawingml/2006/main" xmlns:r="http://schemas.openxmlformats.org/officeDocument/2006/relationships" xmlns:p="http://schemas.openxmlformats.org/presentationml/2006/main">
+  <p:cSld>
+    <p:spTree>
+      <p:nvGrpSpPr>
+        <p:cNvPr id="1" name=""/>
+        <p:cNvGrpSpPr/>
+        <p:nvPr/>
+      </p:nvGrpSpPr>
+      <p:grpSpPr>
+        <a:xfrm>
+          <a:off x="0" y="0"/>
+          <a:ext cx="0" cy="0"/>
+          <a:chOff x="0" y="0"/>
+          <a:chExt cx="0" cy="0"/>
+        </a:xfrm>
+      </p:grpSpPr>
+      <p:sp>
+        <p:nvSpPr>
+          <p:cNvPr id="2" name="Title 1"/>
+          <p:cNvSpPr>
+            <a:spLocks noGrp="1"/>
+          </p:cNvSpPr>
+          <p:nvPr>
+            <p:ph type="title"/>
+          </p:nvPr>
+        </p:nvSpPr>
+        <p:spPr/>
+        <p:txBody>
+          <a:bodyPr/>
+          <a:lstStyle/>
+          <a:p>
+            <a:r>
+              <a:rPr lang="en-ZA" dirty="0" smtClean="0"/>
+              <a:t>Boolean</a:t>
+            </a:r>
+            <a:endParaRPr lang="en-ZA" dirty="0"/>
+          </a:p>
+        </p:txBody>
+      </p:sp>
+      <p:sp>
+        <p:nvSpPr>
+          <p:cNvPr id="3" name="Content Placeholder 2"/>
+          <p:cNvSpPr>
+            <a:spLocks noGrp="1"/>
+          </p:cNvSpPr>
+          <p:nvPr>
+            <p:ph idx="1"/>
+          </p:nvPr>
+        </p:nvSpPr>
+        <p:spPr>
+          <a:xfrm>
+            <a:off x="838200" y="1841391"/>
+            <a:ext cx="10515600" cy="4351338"/>
+          </a:xfrm>
+        </p:spPr>
+        <p:txBody>
+          <a:bodyPr/>
+          <a:lstStyle/>
+          <a:p>
+            <a:r>
+              <a:rPr lang="en-ZA" dirty="0" smtClean="0"/>
+              <a:t>true and false</a:t>
+            </a:r>
+          </a:p>
+          <a:p>
+            <a:r>
+              <a:rPr lang="en-ZA" dirty="0" smtClean="0"/>
+              <a:t>JavaScript can also cast non-Boolean types into Boolean</a:t>
+            </a:r>
+          </a:p>
+          <a:p>
+            <a:r>
+              <a:rPr lang="en-ZA" dirty="0" smtClean="0"/>
+              <a:t>Values are said to be </a:t>
+            </a:r>
+            <a:r>
+              <a:rPr lang="en-ZA" dirty="0" err="1" smtClean="0"/>
+              <a:t>truthy</a:t>
+            </a:r>
+            <a:r>
+              <a:rPr lang="en-ZA" dirty="0" smtClean="0"/>
+              <a:t> OR </a:t>
+            </a:r>
+            <a:r>
+              <a:rPr lang="en-ZA" dirty="0" err="1" smtClean="0"/>
+              <a:t>falsy</a:t>
+            </a:r>
+            <a:r>
+              <a:rPr lang="en-ZA" dirty="0" smtClean="0"/>
+              <a:t> based on what they evaluate to</a:t>
+            </a:r>
+          </a:p>
+          <a:p>
+            <a:r>
+              <a:rPr lang="en-ZA" dirty="0" err="1" smtClean="0"/>
+              <a:t>falsy</a:t>
+            </a:r>
+            <a:r>
+              <a:rPr lang="en-ZA" dirty="0" smtClean="0"/>
+              <a:t> values: false, null, undefined, ‘’, 0, </a:t>
+            </a:r>
+            <a:r>
+              <a:rPr lang="en-ZA" dirty="0" err="1" smtClean="0"/>
+              <a:t>NaN</a:t>
+            </a:r>
+            <a:endParaRPr lang="en-ZA" dirty="0" smtClean="0"/>
+          </a:p>
+          <a:p>
+            <a:r>
+              <a:rPr lang="en-ZA" dirty="0" smtClean="0"/>
+              <a:t>All other values are </a:t>
+            </a:r>
+            <a:r>
+              <a:rPr lang="en-ZA" dirty="0" err="1" smtClean="0"/>
+              <a:t>truthy</a:t>
+            </a:r>
+            <a:endParaRPr lang="en-ZA" dirty="0" smtClean="0"/>
+          </a:p>
+        </p:txBody>
+      </p:sp>
+    </p:spTree>
+    <p:extLst>
+      <p:ext uri="{BB962C8B-B14F-4D97-AF65-F5344CB8AC3E}">
+        <p14:creationId xmlns:p14="http://schemas.microsoft.com/office/powerpoint/2010/main" val="2025345338"/>
+      </p:ext>
+    </p:extLst>
+  </p:cSld>
+  <p:clrMapOvr>
+    <a:masterClrMapping/>
+  </p:clrMapOvr>
+</p:sld>
+</file>
+
+<file path=ppt/slides/slide8.xml><?xml version="1.0" encoding="utf-8"?>
 <p:sld xmlns:a="http://schemas.openxmlformats.org/drawingml/2006/main" xmlns:r="http://schemas.openxmlformats.org/officeDocument/2006/relationships" xmlns:p="http://schemas.openxmlformats.org/presentationml/2006/main">
   <p:cSld>
     <p:spTree>
